--- a/camera_ford/individual_project/Globetrot_Pitchdeck.pptx
+++ b/camera_ford/individual_project/Globetrot_Pitchdeck.pptx
@@ -1506,7 +1506,7 @@
                   <a:schemeClr val="dk1"/>
                 </a:solidFill>
               </a:rPr>
-              <a:t>Free app services, partnerships to grow user bas</a:t>
+              <a:t>Free app services, partnerships to grow user base</a:t>
             </a:r>
           </a:p>
         </p:txBody>
@@ -1629,7 +1629,7 @@
             <a:endParaRPr/>
           </a:p>
           <a:p>
-            <a:pPr lvl="0" rtl="0">
+            <a:pPr lvl="0">
               <a:spcBef>
                 <a:spcPts val="0"/>
               </a:spcBef>
@@ -1642,6 +1642,38 @@
                 </a:solidFill>
               </a:rPr>
               <a:t>transition to a demo of the app/website you created so that they can ask questions for Q/A later; Close with an ask (for mentorship, money, site visit, etc.)- then drive home the mission statement or slogan. Thank everyone, and “But I need help to get to these milestones.</a:t>
+            </a:r>
+          </a:p>
+          <a:p>
+            <a:pPr lvl="0">
+              <a:spcBef>
+                <a:spcPts val="0"/>
+              </a:spcBef>
+              <a:buNone/>
+            </a:pPr>
+            <a:r>
+              <a:t/>
+            </a:r>
+            <a:endParaRPr>
+              <a:solidFill>
+                <a:schemeClr val="dk1"/>
+              </a:solidFill>
+            </a:endParaRPr>
+          </a:p>
+          <a:p>
+            <a:pPr lvl="0" rtl="0">
+              <a:spcBef>
+                <a:spcPts val="0"/>
+              </a:spcBef>
+              <a:buNone/>
+            </a:pPr>
+            <a:r>
+              <a:rPr lang="en">
+                <a:solidFill>
+                  <a:schemeClr val="dk1"/>
+                </a:solidFill>
+              </a:rPr>
+              <a:t>I’m asking for mentorship and connections to develop a marketing strategy and continue developing the revenue model. For anyone interested in offering a financial investment, know that I would use about 75% of the funds on website/mobile app development and 25% to administrative costs like trademarks and domain hosting. </a:t>
             </a:r>
           </a:p>
         </p:txBody>
@@ -6497,6 +6529,22 @@
               </a:solidFill>
             </a:endParaRPr>
           </a:p>
+          <a:p>
+            <a:pPr lvl="0">
+              <a:spcBef>
+                <a:spcPts val="0"/>
+              </a:spcBef>
+              <a:buNone/>
+            </a:pPr>
+            <a:r>
+              <a:t/>
+            </a:r>
+            <a:endParaRPr sz="1000">
+              <a:solidFill>
+                <a:srgbClr val="0000FF"/>
+              </a:solidFill>
+            </a:endParaRPr>
+          </a:p>
         </p:txBody>
       </p:sp>
       <p:sp>
@@ -7595,7 +7643,7 @@
           </a:bodyPr>
           <a:lstStyle/>
           <a:p>
-            <a:pPr lvl="0" rtl="0">
+            <a:pPr lvl="0">
               <a:spcBef>
                 <a:spcPts val="0"/>
               </a:spcBef>
@@ -7604,10 +7652,10 @@
             <a:r>
               <a:rPr lang="en" sz="1000">
                 <a:solidFill>
-                  <a:srgbClr val="38761D"/>
+                  <a:srgbClr val="0000FF"/>
                 </a:solidFill>
               </a:rPr>
-              <a:t>n/a</a:t>
+              <a:t>Customer acquisition cost: ~$3,000 for first 1,000 users</a:t>
             </a:r>
           </a:p>
           <a:p>
@@ -7623,7 +7671,7 @@
                   <a:srgbClr val="0000FF"/>
                 </a:solidFill>
               </a:rPr>
-              <a:t>Web/app development </a:t>
+              <a:t>Web/app development: ~75% of investment costs</a:t>
             </a:r>
           </a:p>
           <a:p>
@@ -7639,7 +7687,7 @@
                   <a:srgbClr val="0000FF"/>
                 </a:solidFill>
               </a:rPr>
-              <a:t>Domain name &amp; hosting</a:t>
+              <a:t>Domain name &amp; hosting </a:t>
             </a:r>
           </a:p>
           <a:p>
@@ -7999,7 +8047,7 @@
                 <a:cs typeface="Calibri"/>
                 <a:sym typeface="Calibri"/>
               </a:rPr>
-              <a:t>Contracts with Tourism Boards </a:t>
+              <a:t>Sponsored Content &amp; Ads</a:t>
             </a:r>
           </a:p>
           <a:p>
@@ -8039,7 +8087,7 @@
                 <a:cs typeface="Calibri"/>
                 <a:sym typeface="Calibri"/>
               </a:rPr>
-              <a:t>Sponsored Content &amp; Ads</a:t>
+              <a:t>Aggregate Data Partnerships</a:t>
             </a:r>
           </a:p>
           <a:p>
@@ -8079,8 +8127,28 @@
                 <a:cs typeface="Calibri"/>
                 <a:sym typeface="Calibri"/>
               </a:rPr>
-              <a:t>Aggregate Data Partnerships</a:t>
-            </a:r>
+              <a:t>Contracts with Tourism Bureaus </a:t>
+            </a:r>
+          </a:p>
+          <a:p>
+            <a:pPr lvl="0" rtl="0" algn="l">
+              <a:spcBef>
+                <a:spcPts val="0"/>
+              </a:spcBef>
+              <a:buNone/>
+            </a:pPr>
+            <a:r>
+              <a:t/>
+            </a:r>
+            <a:endParaRPr sz="2400">
+              <a:solidFill>
+                <a:schemeClr val="accent4"/>
+              </a:solidFill>
+              <a:latin typeface="Calibri"/>
+              <a:ea typeface="Calibri"/>
+              <a:cs typeface="Calibri"/>
+              <a:sym typeface="Calibri"/>
+            </a:endParaRPr>
           </a:p>
         </p:txBody>
       </p:sp>
@@ -8171,7 +8239,7 @@
             <a:tbl>
               <a:tblPr>
                 <a:noFill/>
-                <a:tableStyleId>{8C665097-34BF-4A63-A0BE-033BFC609809}</a:tableStyleId>
+                <a:tableStyleId>{BA1C1197-B5A1-4029-A498-CE8153159277}</a:tableStyleId>
               </a:tblPr>
               <a:tblGrid>
                 <a:gridCol w="1578350"/>
@@ -8807,7 +8875,7 @@
             <a:tbl>
               <a:tblPr>
                 <a:noFill/>
-                <a:tableStyleId>{8C665097-34BF-4A63-A0BE-033BFC609809}</a:tableStyleId>
+                <a:tableStyleId>{BA1C1197-B5A1-4029-A498-CE8153159277}</a:tableStyleId>
               </a:tblPr>
               <a:tblGrid>
                 <a:gridCol w="1578350"/>
